--- a/Multithread Programming/실행 속도 비교표.pptx
+++ b/Multithread Programming/실행 속도 비교표.pptx
@@ -104,6 +104,11 @@
       </a:defRPr>
     </a:lvl9pPr>
   </p:defaultTextStyle>
+  <p:extLst>
+    <p:ext uri="{EFAFB233-063F-42B5-8137-9DF3F51BA10A}">
+      <p15:sldGuideLst xmlns:p15="http://schemas.microsoft.com/office/powerpoint/2012/main"/>
+    </p:ext>
+  </p:extLst>
 </p:presentation>
 </file>
 
@@ -254,7 +259,7 @@
           <a:p>
             <a:fld id="{5CB845E9-B878-49D3-9269-4C2F651C54D5}" type="datetimeFigureOut">
               <a:rPr lang="ko-KR" altLang="en-US" smtClean="0"/>
-              <a:t>2025-06-03</a:t>
+              <a:t>2025-06-05</a:t>
             </a:fld>
             <a:endParaRPr lang="ko-KR" altLang="en-US"/>
           </a:p>
@@ -452,7 +457,7 @@
           <a:p>
             <a:fld id="{5CB845E9-B878-49D3-9269-4C2F651C54D5}" type="datetimeFigureOut">
               <a:rPr lang="ko-KR" altLang="en-US" smtClean="0"/>
-              <a:t>2025-06-03</a:t>
+              <a:t>2025-06-05</a:t>
             </a:fld>
             <a:endParaRPr lang="ko-KR" altLang="en-US"/>
           </a:p>
@@ -660,7 +665,7 @@
           <a:p>
             <a:fld id="{5CB845E9-B878-49D3-9269-4C2F651C54D5}" type="datetimeFigureOut">
               <a:rPr lang="ko-KR" altLang="en-US" smtClean="0"/>
-              <a:t>2025-06-03</a:t>
+              <a:t>2025-06-05</a:t>
             </a:fld>
             <a:endParaRPr lang="ko-KR" altLang="en-US"/>
           </a:p>
@@ -858,7 +863,7 @@
           <a:p>
             <a:fld id="{5CB845E9-B878-49D3-9269-4C2F651C54D5}" type="datetimeFigureOut">
               <a:rPr lang="ko-KR" altLang="en-US" smtClean="0"/>
-              <a:t>2025-06-03</a:t>
+              <a:t>2025-06-05</a:t>
             </a:fld>
             <a:endParaRPr lang="ko-KR" altLang="en-US"/>
           </a:p>
@@ -1133,7 +1138,7 @@
           <a:p>
             <a:fld id="{5CB845E9-B878-49D3-9269-4C2F651C54D5}" type="datetimeFigureOut">
               <a:rPr lang="ko-KR" altLang="en-US" smtClean="0"/>
-              <a:t>2025-06-03</a:t>
+              <a:t>2025-06-05</a:t>
             </a:fld>
             <a:endParaRPr lang="ko-KR" altLang="en-US"/>
           </a:p>
@@ -1398,7 +1403,7 @@
           <a:p>
             <a:fld id="{5CB845E9-B878-49D3-9269-4C2F651C54D5}" type="datetimeFigureOut">
               <a:rPr lang="ko-KR" altLang="en-US" smtClean="0"/>
-              <a:t>2025-06-03</a:t>
+              <a:t>2025-06-05</a:t>
             </a:fld>
             <a:endParaRPr lang="ko-KR" altLang="en-US"/>
           </a:p>
@@ -1810,7 +1815,7 @@
           <a:p>
             <a:fld id="{5CB845E9-B878-49D3-9269-4C2F651C54D5}" type="datetimeFigureOut">
               <a:rPr lang="ko-KR" altLang="en-US" smtClean="0"/>
-              <a:t>2025-06-03</a:t>
+              <a:t>2025-06-05</a:t>
             </a:fld>
             <a:endParaRPr lang="ko-KR" altLang="en-US"/>
           </a:p>
@@ -1951,7 +1956,7 @@
           <a:p>
             <a:fld id="{5CB845E9-B878-49D3-9269-4C2F651C54D5}" type="datetimeFigureOut">
               <a:rPr lang="ko-KR" altLang="en-US" smtClean="0"/>
-              <a:t>2025-06-03</a:t>
+              <a:t>2025-06-05</a:t>
             </a:fld>
             <a:endParaRPr lang="ko-KR" altLang="en-US"/>
           </a:p>
@@ -2064,7 +2069,7 @@
           <a:p>
             <a:fld id="{5CB845E9-B878-49D3-9269-4C2F651C54D5}" type="datetimeFigureOut">
               <a:rPr lang="ko-KR" altLang="en-US" smtClean="0"/>
-              <a:t>2025-06-03</a:t>
+              <a:t>2025-06-05</a:t>
             </a:fld>
             <a:endParaRPr lang="ko-KR" altLang="en-US"/>
           </a:p>
@@ -2375,7 +2380,7 @@
           <a:p>
             <a:fld id="{5CB845E9-B878-49D3-9269-4C2F651C54D5}" type="datetimeFigureOut">
               <a:rPr lang="ko-KR" altLang="en-US" smtClean="0"/>
-              <a:t>2025-06-03</a:t>
+              <a:t>2025-06-05</a:t>
             </a:fld>
             <a:endParaRPr lang="ko-KR" altLang="en-US"/>
           </a:p>
@@ -2663,7 +2668,7 @@
           <a:p>
             <a:fld id="{5CB845E9-B878-49D3-9269-4C2F651C54D5}" type="datetimeFigureOut">
               <a:rPr lang="ko-KR" altLang="en-US" smtClean="0"/>
-              <a:t>2025-06-03</a:t>
+              <a:t>2025-06-05</a:t>
             </a:fld>
             <a:endParaRPr lang="ko-KR" altLang="en-US"/>
           </a:p>
@@ -2904,7 +2909,7 @@
           <a:p>
             <a:fld id="{5CB845E9-B878-49D3-9269-4C2F651C54D5}" type="datetimeFigureOut">
               <a:rPr lang="ko-KR" altLang="en-US" smtClean="0"/>
-              <a:t>2025-06-03</a:t>
+              <a:t>2025-06-05</a:t>
             </a:fld>
             <a:endParaRPr lang="ko-KR" altLang="en-US"/>
           </a:p>
@@ -3336,14 +3341,14 @@
           <p:nvPr>
             <p:extLst>
               <p:ext uri="{D42A27DB-BD31-4B8C-83A1-F6EECF244321}">
-                <p14:modId xmlns:p14="http://schemas.microsoft.com/office/powerpoint/2010/main" val="879603439"/>
+                <p14:modId xmlns:p14="http://schemas.microsoft.com/office/powerpoint/2010/main" val="423647397"/>
               </p:ext>
             </p:extLst>
           </p:nvPr>
         </p:nvGraphicFramePr>
         <p:xfrm>
-          <a:off x="2032000" y="719667"/>
-          <a:ext cx="7451634" cy="2194560"/>
+          <a:off x="1980293" y="535517"/>
+          <a:ext cx="7319280" cy="1463040"/>
         </p:xfrm>
         <a:graphic>
           <a:graphicData uri="http://schemas.openxmlformats.org/drawingml/2006/table">
@@ -3352,24 +3357,38 @@
                 <a:tableStyleId>{5C22544A-7EE6-4342-B048-85BDC9FD1C3A}</a:tableStyleId>
               </a:tblPr>
               <a:tblGrid>
-                <a:gridCol w="2483878">
+                <a:gridCol w="1463856">
                   <a:extLst>
                     <a:ext uri="{9D8B030D-6E8A-4147-A177-3AD203B41FA5}">
                       <a16:colId xmlns:a16="http://schemas.microsoft.com/office/drawing/2014/main" val="346106535"/>
                     </a:ext>
                   </a:extLst>
                 </a:gridCol>
-                <a:gridCol w="2483878">
+                <a:gridCol w="1463856">
                   <a:extLst>
                     <a:ext uri="{9D8B030D-6E8A-4147-A177-3AD203B41FA5}">
                       <a16:colId xmlns:a16="http://schemas.microsoft.com/office/drawing/2014/main" val="1621623470"/>
                     </a:ext>
                   </a:extLst>
                 </a:gridCol>
-                <a:gridCol w="2483878">
+                <a:gridCol w="1463856">
                   <a:extLst>
                     <a:ext uri="{9D8B030D-6E8A-4147-A177-3AD203B41FA5}">
                       <a16:colId xmlns:a16="http://schemas.microsoft.com/office/drawing/2014/main" val="2008082416"/>
+                    </a:ext>
+                  </a:extLst>
+                </a:gridCol>
+                <a:gridCol w="1463856">
+                  <a:extLst>
+                    <a:ext uri="{9D8B030D-6E8A-4147-A177-3AD203B41FA5}">
+                      <a16:colId xmlns:a16="http://schemas.microsoft.com/office/drawing/2014/main" val="2083395145"/>
+                    </a:ext>
+                  </a:extLst>
+                </a:gridCol>
+                <a:gridCol w="1463856">
+                  <a:extLst>
+                    <a:ext uri="{9D8B030D-6E8A-4147-A177-3AD203B41FA5}">
+                      <a16:colId xmlns:a16="http://schemas.microsoft.com/office/drawing/2014/main" val="2468406552"/>
                     </a:ext>
                   </a:extLst>
                 </a:gridCol>
@@ -3382,7 +3401,7 @@
                     <a:p>
                       <a:pPr algn="ctr" latinLnBrk="1"/>
                       <a:r>
-                        <a:rPr lang="ko-KR" altLang="en-US" dirty="0"/>
+                        <a:rPr lang="ko-KR" altLang="en-US" sz="1000" dirty="0"/>
                         <a:t>싱글 쓰레드</a:t>
                       </a:r>
                     </a:p>
@@ -3396,14 +3415,26 @@
                     <a:p>
                       <a:pPr algn="ctr" latinLnBrk="1"/>
                       <a:r>
-                        <a:rPr lang="ko-KR" altLang="en-US" dirty="0"/>
-                        <a:t>성긴 동기화 </a:t>
+                        <a:rPr lang="en-US" altLang="ko-KR" sz="1000" dirty="0"/>
+                        <a:t>Lock</a:t>
                       </a:r>
                       <a:r>
-                        <a:rPr lang="en-US" altLang="ko-KR" dirty="0"/>
-                        <a:t>Skip List</a:t>
+                        <a:rPr lang="ko-KR" altLang="en-US" sz="1000" dirty="0"/>
+                        <a:t> </a:t>
                       </a:r>
-                      <a:endParaRPr lang="ko-KR" altLang="en-US" dirty="0"/>
+                      <a:r>
+                        <a:rPr lang="en-US" altLang="ko-KR" sz="1000" dirty="0"/>
+                        <a:t>Free</a:t>
+                      </a:r>
+                      <a:r>
+                        <a:rPr lang="ko-KR" altLang="en-US" sz="1000" dirty="0"/>
+                        <a:t> </a:t>
+                      </a:r>
+                      <a:r>
+                        <a:rPr lang="en-US" altLang="ko-KR" sz="1000" dirty="0"/>
+                        <a:t>List</a:t>
+                      </a:r>
+                      <a:endParaRPr lang="ko-KR" altLang="en-US" sz="1000" dirty="0"/>
                     </a:p>
                   </a:txBody>
                   <a:tcPr/>
@@ -3415,10 +3446,44 @@
                     <a:p>
                       <a:pPr algn="ctr" latinLnBrk="1"/>
                       <a:r>
-                        <a:rPr lang="en-US" altLang="ko-KR" dirty="0"/>
+                        <a:rPr lang="ko-KR" altLang="en-US" sz="1000" dirty="0"/>
+                        <a:t>성긴 동기화 </a:t>
+                      </a:r>
+                      <a:r>
+                        <a:rPr lang="en-US" altLang="ko-KR" sz="1000" dirty="0"/>
+                        <a:t>Skip List</a:t>
+                      </a:r>
+                      <a:endParaRPr lang="ko-KR" altLang="en-US" sz="1000" dirty="0"/>
+                    </a:p>
+                  </a:txBody>
+                  <a:tcPr/>
+                </a:tc>
+                <a:tc>
+                  <a:txBody>
+                    <a:bodyPr/>
+                    <a:lstStyle/>
+                    <a:p>
+                      <a:pPr algn="ctr" latinLnBrk="1"/>
+                      <a:r>
+                        <a:rPr lang="en-US" altLang="ko-KR" sz="1000" dirty="0"/>
                         <a:t>Lazy Skip List</a:t>
                       </a:r>
-                      <a:endParaRPr lang="ko-KR" altLang="en-US" dirty="0"/>
+                      <a:endParaRPr lang="ko-KR" altLang="en-US" sz="1000" dirty="0"/>
+                    </a:p>
+                  </a:txBody>
+                  <a:tcPr/>
+                </a:tc>
+                <a:tc>
+                  <a:txBody>
+                    <a:bodyPr/>
+                    <a:lstStyle/>
+                    <a:p>
+                      <a:pPr algn="ctr" latinLnBrk="1"/>
+                      <a:r>
+                        <a:rPr lang="en-US" altLang="ko-KR" sz="1000"/>
+                        <a:t>Lock Free Skip List</a:t>
+                      </a:r>
+                      <a:endParaRPr lang="ko-KR" altLang="en-US" sz="1000" dirty="0"/>
                     </a:p>
                   </a:txBody>
                   <a:tcPr/>
@@ -3437,10 +3502,10 @@
                     <a:p>
                       <a:pPr algn="ctr" latinLnBrk="1"/>
                       <a:r>
-                        <a:rPr lang="en-US" altLang="ko-KR" b="1" dirty="0"/>
-                        <a:t>466ms</a:t>
+                        <a:rPr lang="en-US" altLang="ko-KR" sz="1000" b="1" dirty="0"/>
+                        <a:t>469ms</a:t>
                       </a:r>
-                      <a:endParaRPr lang="ko-KR" altLang="en-US" b="1" dirty="0"/>
+                      <a:endParaRPr lang="ko-KR" altLang="en-US" sz="1000" b="1" dirty="0"/>
                     </a:p>
                   </a:txBody>
                   <a:tcPr/>
@@ -3452,10 +3517,10 @@
                     <a:p>
                       <a:pPr algn="ctr" latinLnBrk="1"/>
                       <a:r>
-                        <a:rPr lang="en-US" altLang="ko-KR" b="1" dirty="0"/>
-                        <a:t>624ms</a:t>
+                        <a:rPr lang="en-US" altLang="ko-KR" sz="1000" b="1" dirty="0"/>
+                        <a:t>1618ms</a:t>
                       </a:r>
-                      <a:endParaRPr lang="ko-KR" altLang="en-US" b="1" dirty="0"/>
+                      <a:endParaRPr lang="ko-KR" altLang="en-US" sz="1000" b="1" dirty="0"/>
                     </a:p>
                   </a:txBody>
                   <a:tcPr/>
@@ -3467,10 +3532,40 @@
                     <a:p>
                       <a:pPr algn="ctr" latinLnBrk="1"/>
                       <a:r>
-                        <a:rPr lang="en-US" altLang="ko-KR" b="1" dirty="0"/>
-                        <a:t>717ms</a:t>
+                        <a:rPr lang="en-US" altLang="ko-KR" sz="1000" b="1" dirty="0"/>
+                        <a:t>501ms</a:t>
                       </a:r>
-                      <a:endParaRPr lang="ko-KR" altLang="en-US" b="1" dirty="0"/>
+                      <a:endParaRPr lang="ko-KR" altLang="en-US" sz="1000" b="1" dirty="0"/>
+                    </a:p>
+                  </a:txBody>
+                  <a:tcPr/>
+                </a:tc>
+                <a:tc>
+                  <a:txBody>
+                    <a:bodyPr/>
+                    <a:lstStyle/>
+                    <a:p>
+                      <a:pPr algn="ctr" latinLnBrk="1"/>
+                      <a:r>
+                        <a:rPr lang="en-US" altLang="ko-KR" sz="1000" b="1" dirty="0"/>
+                        <a:t>783ms</a:t>
+                      </a:r>
+                      <a:endParaRPr lang="ko-KR" altLang="en-US" sz="1000" b="1" dirty="0"/>
+                    </a:p>
+                  </a:txBody>
+                  <a:tcPr/>
+                </a:tc>
+                <a:tc>
+                  <a:txBody>
+                    <a:bodyPr/>
+                    <a:lstStyle/>
+                    <a:p>
+                      <a:pPr algn="ctr" latinLnBrk="1"/>
+                      <a:r>
+                        <a:rPr lang="en-US" altLang="ko-KR" sz="1000" b="1" dirty="0"/>
+                        <a:t>525ms</a:t>
+                      </a:r>
+                      <a:endParaRPr lang="ko-KR" altLang="en-US" sz="1000" b="1" dirty="0"/>
                     </a:p>
                   </a:txBody>
                   <a:tcPr/>
@@ -3488,7 +3583,7 @@
                     <a:lstStyle/>
                     <a:p>
                       <a:pPr algn="ctr" latinLnBrk="1"/>
-                      <a:endParaRPr lang="ko-KR" altLang="en-US" b="1" dirty="0"/>
+                      <a:endParaRPr lang="ko-KR" altLang="en-US" sz="1000" b="1" dirty="0"/>
                     </a:p>
                   </a:txBody>
                   <a:tcPr/>
@@ -3500,10 +3595,10 @@
                     <a:p>
                       <a:pPr algn="ctr" latinLnBrk="1"/>
                       <a:r>
-                        <a:rPr lang="en-US" altLang="ko-KR" b="1" dirty="0"/>
-                        <a:t>811ms</a:t>
+                        <a:rPr lang="en-US" altLang="ko-KR" sz="1000" b="1" dirty="0"/>
+                        <a:t>848ms</a:t>
                       </a:r>
-                      <a:endParaRPr lang="ko-KR" altLang="en-US" b="1" dirty="0"/>
+                      <a:endParaRPr lang="ko-KR" altLang="en-US" sz="1000" b="1" dirty="0"/>
                     </a:p>
                   </a:txBody>
                   <a:tcPr/>
@@ -3515,10 +3610,40 @@
                     <a:p>
                       <a:pPr algn="ctr" latinLnBrk="1"/>
                       <a:r>
-                        <a:rPr lang="en-US" altLang="ko-KR" b="1" dirty="0"/>
-                        <a:t>439ms</a:t>
+                        <a:rPr lang="en-US" altLang="ko-KR" sz="1000" b="1" dirty="0"/>
+                        <a:t>493ms</a:t>
                       </a:r>
-                      <a:endParaRPr lang="ko-KR" altLang="en-US" b="1" dirty="0"/>
+                      <a:endParaRPr lang="ko-KR" altLang="en-US" sz="1000" b="1" dirty="0"/>
+                    </a:p>
+                  </a:txBody>
+                  <a:tcPr/>
+                </a:tc>
+                <a:tc>
+                  <a:txBody>
+                    <a:bodyPr/>
+                    <a:lstStyle/>
+                    <a:p>
+                      <a:pPr algn="ctr" latinLnBrk="1"/>
+                      <a:r>
+                        <a:rPr lang="en-US" altLang="ko-KR" sz="1000" b="1" dirty="0"/>
+                        <a:t>523ms</a:t>
+                      </a:r>
+                      <a:endParaRPr lang="ko-KR" altLang="en-US" sz="1000" b="1" dirty="0"/>
+                    </a:p>
+                  </a:txBody>
+                  <a:tcPr/>
+                </a:tc>
+                <a:tc>
+                  <a:txBody>
+                    <a:bodyPr/>
+                    <a:lstStyle/>
+                    <a:p>
+                      <a:pPr algn="ctr" latinLnBrk="1"/>
+                      <a:r>
+                        <a:rPr lang="en-US" altLang="ko-KR" sz="1000" b="1" dirty="0"/>
+                        <a:t>331ms</a:t>
+                      </a:r>
+                      <a:endParaRPr lang="ko-KR" altLang="en-US" sz="1000" b="1" dirty="0"/>
                     </a:p>
                   </a:txBody>
                   <a:tcPr/>
@@ -3536,7 +3661,7 @@
                     <a:lstStyle/>
                     <a:p>
                       <a:pPr algn="ctr" latinLnBrk="1"/>
-                      <a:endParaRPr lang="ko-KR" altLang="en-US" b="1"/>
+                      <a:endParaRPr lang="ko-KR" altLang="en-US" sz="1000" b="1" dirty="0"/>
                     </a:p>
                   </a:txBody>
                   <a:tcPr/>
@@ -3548,10 +3673,10 @@
                     <a:p>
                       <a:pPr algn="ctr" latinLnBrk="1"/>
                       <a:r>
-                        <a:rPr lang="en-US" altLang="ko-KR" b="1" dirty="0"/>
-                        <a:t>1198ms</a:t>
+                        <a:rPr lang="en-US" altLang="ko-KR" sz="1000" b="1" dirty="0"/>
+                        <a:t>507ms</a:t>
                       </a:r>
-                      <a:endParaRPr lang="ko-KR" altLang="en-US" b="1" dirty="0"/>
+                      <a:endParaRPr lang="ko-KR" altLang="en-US" sz="1000" b="1" dirty="0"/>
                     </a:p>
                   </a:txBody>
                   <a:tcPr/>
@@ -3563,10 +3688,40 @@
                     <a:p>
                       <a:pPr algn="ctr" latinLnBrk="1"/>
                       <a:r>
-                        <a:rPr lang="en-US" altLang="ko-KR" b="1" dirty="0"/>
-                        <a:t>273ms</a:t>
+                        <a:rPr lang="en-US" altLang="ko-KR" sz="1000" b="1" dirty="0"/>
+                        <a:t>591ms</a:t>
                       </a:r>
-                      <a:endParaRPr lang="ko-KR" altLang="en-US" b="1" dirty="0"/>
+                      <a:endParaRPr lang="ko-KR" altLang="en-US" sz="1000" b="1" dirty="0"/>
+                    </a:p>
+                  </a:txBody>
+                  <a:tcPr/>
+                </a:tc>
+                <a:tc>
+                  <a:txBody>
+                    <a:bodyPr/>
+                    <a:lstStyle/>
+                    <a:p>
+                      <a:pPr algn="ctr" latinLnBrk="1"/>
+                      <a:r>
+                        <a:rPr lang="en-US" altLang="ko-KR" sz="1000" b="1" dirty="0"/>
+                        <a:t>323ms</a:t>
+                      </a:r>
+                      <a:endParaRPr lang="ko-KR" altLang="en-US" sz="1000" b="1" dirty="0"/>
+                    </a:p>
+                  </a:txBody>
+                  <a:tcPr/>
+                </a:tc>
+                <a:tc>
+                  <a:txBody>
+                    <a:bodyPr/>
+                    <a:lstStyle/>
+                    <a:p>
+                      <a:pPr algn="ctr" latinLnBrk="1"/>
+                      <a:r>
+                        <a:rPr lang="en-US" altLang="ko-KR" sz="1000" b="1" dirty="0"/>
+                        <a:t>201ms</a:t>
+                      </a:r>
+                      <a:endParaRPr lang="ko-KR" altLang="en-US" sz="1000" b="1" dirty="0"/>
                     </a:p>
                   </a:txBody>
                   <a:tcPr/>
@@ -3584,7 +3739,7 @@
                     <a:lstStyle/>
                     <a:p>
                       <a:pPr algn="ctr" latinLnBrk="1"/>
-                      <a:endParaRPr lang="ko-KR" altLang="en-US" b="1"/>
+                      <a:endParaRPr lang="ko-KR" altLang="en-US" sz="1000" b="1" dirty="0"/>
                     </a:p>
                   </a:txBody>
                   <a:tcPr/>
@@ -3596,10 +3751,10 @@
                     <a:p>
                       <a:pPr algn="ctr" latinLnBrk="1"/>
                       <a:r>
-                        <a:rPr lang="en-US" altLang="ko-KR" b="1" dirty="0"/>
-                        <a:t>2153ms</a:t>
+                        <a:rPr lang="en-US" altLang="ko-KR" sz="1000" b="1" dirty="0"/>
+                        <a:t>343ms</a:t>
                       </a:r>
-                      <a:endParaRPr lang="ko-KR" altLang="en-US" b="1" dirty="0"/>
+                      <a:endParaRPr lang="ko-KR" altLang="en-US" sz="1000" b="1" dirty="0"/>
                     </a:p>
                   </a:txBody>
                   <a:tcPr/>
@@ -3611,10 +3766,40 @@
                     <a:p>
                       <a:pPr algn="ctr" latinLnBrk="1"/>
                       <a:r>
-                        <a:rPr lang="en-US" altLang="ko-KR" b="1" dirty="0"/>
-                        <a:t>155ms</a:t>
+                        <a:rPr lang="en-US" altLang="ko-KR" sz="1000" b="1" dirty="0"/>
+                        <a:t>1245ms</a:t>
                       </a:r>
-                      <a:endParaRPr lang="ko-KR" altLang="en-US" b="1" dirty="0"/>
+                      <a:endParaRPr lang="ko-KR" altLang="en-US" sz="1000" b="1" dirty="0"/>
+                    </a:p>
+                  </a:txBody>
+                  <a:tcPr/>
+                </a:tc>
+                <a:tc>
+                  <a:txBody>
+                    <a:bodyPr/>
+                    <a:lstStyle/>
+                    <a:p>
+                      <a:pPr algn="ctr" latinLnBrk="1"/>
+                      <a:r>
+                        <a:rPr lang="en-US" altLang="ko-KR" sz="1000" b="1" dirty="0"/>
+                        <a:t>205ms</a:t>
+                      </a:r>
+                      <a:endParaRPr lang="ko-KR" altLang="en-US" sz="1000" b="1" dirty="0"/>
+                    </a:p>
+                  </a:txBody>
+                  <a:tcPr/>
+                </a:tc>
+                <a:tc>
+                  <a:txBody>
+                    <a:bodyPr/>
+                    <a:lstStyle/>
+                    <a:p>
+                      <a:pPr algn="ctr" latinLnBrk="1"/>
+                      <a:r>
+                        <a:rPr lang="en-US" altLang="ko-KR" sz="1000" b="1" dirty="0"/>
+                        <a:t>143ms</a:t>
+                      </a:r>
+                      <a:endParaRPr lang="ko-KR" altLang="en-US" sz="1000" b="1" dirty="0"/>
                     </a:p>
                   </a:txBody>
                   <a:tcPr/>
@@ -3632,7 +3817,7 @@
                     <a:lstStyle/>
                     <a:p>
                       <a:pPr algn="ctr" latinLnBrk="1"/>
-                      <a:endParaRPr lang="ko-KR" altLang="en-US" b="1"/>
+                      <a:endParaRPr lang="ko-KR" altLang="en-US" sz="1000" b="1" dirty="0"/>
                     </a:p>
                   </a:txBody>
                   <a:tcPr/>
@@ -3644,10 +3829,10 @@
                     <a:p>
                       <a:pPr algn="ctr" latinLnBrk="1"/>
                       <a:r>
-                        <a:rPr lang="en-US" altLang="ko-KR" b="1" dirty="0"/>
-                        <a:t>2795ms</a:t>
+                        <a:rPr lang="en-US" altLang="ko-KR" sz="1000" b="1" dirty="0"/>
+                        <a:t>230ms</a:t>
                       </a:r>
-                      <a:endParaRPr lang="ko-KR" altLang="en-US" b="1" dirty="0"/>
+                      <a:endParaRPr lang="ko-KR" altLang="en-US" sz="1000" b="1" dirty="0"/>
                     </a:p>
                   </a:txBody>
                   <a:tcPr/>
@@ -3659,10 +3844,40 @@
                     <a:p>
                       <a:pPr algn="ctr" latinLnBrk="1"/>
                       <a:r>
-                        <a:rPr lang="en-US" altLang="ko-KR" b="1" dirty="0"/>
-                        <a:t>210ms</a:t>
+                        <a:rPr lang="en-US" altLang="ko-KR" sz="1000" b="1" dirty="0"/>
+                        <a:t>1378ms</a:t>
                       </a:r>
-                      <a:endParaRPr lang="ko-KR" altLang="en-US" b="1" dirty="0"/>
+                      <a:endParaRPr lang="ko-KR" altLang="en-US" sz="1000" b="1" dirty="0"/>
+                    </a:p>
+                  </a:txBody>
+                  <a:tcPr/>
+                </a:tc>
+                <a:tc>
+                  <a:txBody>
+                    <a:bodyPr/>
+                    <a:lstStyle/>
+                    <a:p>
+                      <a:pPr algn="ctr" latinLnBrk="1"/>
+                      <a:r>
+                        <a:rPr lang="en-US" altLang="ko-KR" sz="1000" b="1" dirty="0"/>
+                        <a:t>149ms</a:t>
+                      </a:r>
+                      <a:endParaRPr lang="ko-KR" altLang="en-US" sz="1000" b="1" dirty="0"/>
+                    </a:p>
+                  </a:txBody>
+                  <a:tcPr/>
+                </a:tc>
+                <a:tc>
+                  <a:txBody>
+                    <a:bodyPr/>
+                    <a:lstStyle/>
+                    <a:p>
+                      <a:pPr algn="ctr" latinLnBrk="1"/>
+                      <a:r>
+                        <a:rPr lang="en-US" altLang="ko-KR" sz="1000" b="1"/>
+                        <a:t>104ms</a:t>
+                      </a:r>
+                      <a:endParaRPr lang="ko-KR" altLang="en-US" sz="1000" b="1" dirty="0"/>
                     </a:p>
                   </a:txBody>
                   <a:tcPr/>
